--- a/Проект_светофор/презента.pptx
+++ b/Проект_светофор/презента.pptx
@@ -126,6 +126,9 @@
         </p14:section>
       </p14:sectionLst>
     </p:ext>
+    <p:ext uri="{EFAFB233-063F-42B5-8137-9DF3F51BA10A}">
+      <p15:sldGuideLst xmlns:p15="http://schemas.microsoft.com/office/powerpoint/2012/main"/>
+    </p:ext>
   </p:extLst>
 </p:presentation>
 </file>
@@ -261,7 +264,7 @@
           <a:p>
             <a:fld id="{165D581F-4EEB-4706-9DED-BD4D1E2770EF}" type="datetimeFigureOut">
               <a:rPr lang="ru-RU" smtClean="0"/>
-              <a:t>13.02.2017</a:t>
+              <a:t>17.02.2017</a:t>
             </a:fld>
             <a:endParaRPr lang="ru-RU"/>
           </a:p>
@@ -431,7 +434,7 @@
           <a:p>
             <a:fld id="{165D581F-4EEB-4706-9DED-BD4D1E2770EF}" type="datetimeFigureOut">
               <a:rPr lang="ru-RU" smtClean="0"/>
-              <a:t>13.02.2017</a:t>
+              <a:t>17.02.2017</a:t>
             </a:fld>
             <a:endParaRPr lang="ru-RU"/>
           </a:p>
@@ -611,7 +614,7 @@
           <a:p>
             <a:fld id="{165D581F-4EEB-4706-9DED-BD4D1E2770EF}" type="datetimeFigureOut">
               <a:rPr lang="ru-RU" smtClean="0"/>
-              <a:t>13.02.2017</a:t>
+              <a:t>17.02.2017</a:t>
             </a:fld>
             <a:endParaRPr lang="ru-RU"/>
           </a:p>
@@ -781,7 +784,7 @@
           <a:p>
             <a:fld id="{165D581F-4EEB-4706-9DED-BD4D1E2770EF}" type="datetimeFigureOut">
               <a:rPr lang="ru-RU" smtClean="0"/>
-              <a:t>13.02.2017</a:t>
+              <a:t>17.02.2017</a:t>
             </a:fld>
             <a:endParaRPr lang="ru-RU"/>
           </a:p>
@@ -1027,7 +1030,7 @@
           <a:p>
             <a:fld id="{165D581F-4EEB-4706-9DED-BD4D1E2770EF}" type="datetimeFigureOut">
               <a:rPr lang="ru-RU" smtClean="0"/>
-              <a:t>13.02.2017</a:t>
+              <a:t>17.02.2017</a:t>
             </a:fld>
             <a:endParaRPr lang="ru-RU"/>
           </a:p>
@@ -1259,7 +1262,7 @@
           <a:p>
             <a:fld id="{165D581F-4EEB-4706-9DED-BD4D1E2770EF}" type="datetimeFigureOut">
               <a:rPr lang="ru-RU" smtClean="0"/>
-              <a:t>13.02.2017</a:t>
+              <a:t>17.02.2017</a:t>
             </a:fld>
             <a:endParaRPr lang="ru-RU"/>
           </a:p>
@@ -1626,7 +1629,7 @@
           <a:p>
             <a:fld id="{165D581F-4EEB-4706-9DED-BD4D1E2770EF}" type="datetimeFigureOut">
               <a:rPr lang="ru-RU" smtClean="0"/>
-              <a:t>13.02.2017</a:t>
+              <a:t>17.02.2017</a:t>
             </a:fld>
             <a:endParaRPr lang="ru-RU"/>
           </a:p>
@@ -1744,7 +1747,7 @@
           <a:p>
             <a:fld id="{165D581F-4EEB-4706-9DED-BD4D1E2770EF}" type="datetimeFigureOut">
               <a:rPr lang="ru-RU" smtClean="0"/>
-              <a:t>13.02.2017</a:t>
+              <a:t>17.02.2017</a:t>
             </a:fld>
             <a:endParaRPr lang="ru-RU"/>
           </a:p>
@@ -1839,7 +1842,7 @@
           <a:p>
             <a:fld id="{165D581F-4EEB-4706-9DED-BD4D1E2770EF}" type="datetimeFigureOut">
               <a:rPr lang="ru-RU" smtClean="0"/>
-              <a:t>13.02.2017</a:t>
+              <a:t>17.02.2017</a:t>
             </a:fld>
             <a:endParaRPr lang="ru-RU"/>
           </a:p>
@@ -2116,7 +2119,7 @@
           <a:p>
             <a:fld id="{165D581F-4EEB-4706-9DED-BD4D1E2770EF}" type="datetimeFigureOut">
               <a:rPr lang="ru-RU" smtClean="0"/>
-              <a:t>13.02.2017</a:t>
+              <a:t>17.02.2017</a:t>
             </a:fld>
             <a:endParaRPr lang="ru-RU"/>
           </a:p>
@@ -2369,7 +2372,7 @@
           <a:p>
             <a:fld id="{165D581F-4EEB-4706-9DED-BD4D1E2770EF}" type="datetimeFigureOut">
               <a:rPr lang="ru-RU" smtClean="0"/>
-              <a:t>13.02.2017</a:t>
+              <a:t>17.02.2017</a:t>
             </a:fld>
             <a:endParaRPr lang="ru-RU"/>
           </a:p>
@@ -2582,7 +2585,7 @@
           <a:p>
             <a:fld id="{165D581F-4EEB-4706-9DED-BD4D1E2770EF}" type="datetimeFigureOut">
               <a:rPr lang="ru-RU" smtClean="0"/>
-              <a:t>13.02.2017</a:t>
+              <a:t>17.02.2017</a:t>
             </a:fld>
             <a:endParaRPr lang="ru-RU"/>
           </a:p>
@@ -3178,7 +3181,17 @@
           <a:bodyPr/>
           <a:lstStyle/>
           <a:p>
-            <a:endParaRPr lang="ru-RU"/>
+            <a:r>
+              <a:rPr lang="ru-RU" dirty="0" smtClean="0"/>
+              <a:t>Очень часто неправильное распределение положений светофора является причиной пробок и ненужного ожидания.</a:t>
+            </a:r>
+          </a:p>
+          <a:p>
+            <a:r>
+              <a:rPr lang="ru-RU" dirty="0" smtClean="0"/>
+              <a:t>факты</a:t>
+            </a:r>
+            <a:endParaRPr lang="ru-RU" dirty="0"/>
           </a:p>
         </p:txBody>
       </p:sp>

--- a/Проект_светофор/презента.pptx
+++ b/Проект_светофор/презента.pptx
@@ -8,7 +8,7 @@
     <p:sldId id="256" r:id="rId2"/>
     <p:sldId id="262" r:id="rId3"/>
     <p:sldId id="257" r:id="rId4"/>
-    <p:sldId id="258" r:id="rId5"/>
+    <p:sldId id="263" r:id="rId5"/>
     <p:sldId id="259" r:id="rId6"/>
     <p:sldId id="261" r:id="rId7"/>
     <p:sldId id="260" r:id="rId8"/>
@@ -118,7 +118,7 @@
             <p14:sldId id="256"/>
             <p14:sldId id="262"/>
             <p14:sldId id="257"/>
-            <p14:sldId id="258"/>
+            <p14:sldId id="263"/>
             <p14:sldId id="259"/>
             <p14:sldId id="261"/>
             <p14:sldId id="260"/>
@@ -264,7 +264,7 @@
           <a:p>
             <a:fld id="{165D581F-4EEB-4706-9DED-BD4D1E2770EF}" type="datetimeFigureOut">
               <a:rPr lang="ru-RU" smtClean="0"/>
-              <a:t>17.02.2017</a:t>
+              <a:t>06.03.2017</a:t>
             </a:fld>
             <a:endParaRPr lang="ru-RU"/>
           </a:p>
@@ -434,7 +434,7 @@
           <a:p>
             <a:fld id="{165D581F-4EEB-4706-9DED-BD4D1E2770EF}" type="datetimeFigureOut">
               <a:rPr lang="ru-RU" smtClean="0"/>
-              <a:t>17.02.2017</a:t>
+              <a:t>06.03.2017</a:t>
             </a:fld>
             <a:endParaRPr lang="ru-RU"/>
           </a:p>
@@ -614,7 +614,7 @@
           <a:p>
             <a:fld id="{165D581F-4EEB-4706-9DED-BD4D1E2770EF}" type="datetimeFigureOut">
               <a:rPr lang="ru-RU" smtClean="0"/>
-              <a:t>17.02.2017</a:t>
+              <a:t>06.03.2017</a:t>
             </a:fld>
             <a:endParaRPr lang="ru-RU"/>
           </a:p>
@@ -784,7 +784,7 @@
           <a:p>
             <a:fld id="{165D581F-4EEB-4706-9DED-BD4D1E2770EF}" type="datetimeFigureOut">
               <a:rPr lang="ru-RU" smtClean="0"/>
-              <a:t>17.02.2017</a:t>
+              <a:t>06.03.2017</a:t>
             </a:fld>
             <a:endParaRPr lang="ru-RU"/>
           </a:p>
@@ -1030,7 +1030,7 @@
           <a:p>
             <a:fld id="{165D581F-4EEB-4706-9DED-BD4D1E2770EF}" type="datetimeFigureOut">
               <a:rPr lang="ru-RU" smtClean="0"/>
-              <a:t>17.02.2017</a:t>
+              <a:t>06.03.2017</a:t>
             </a:fld>
             <a:endParaRPr lang="ru-RU"/>
           </a:p>
@@ -1262,7 +1262,7 @@
           <a:p>
             <a:fld id="{165D581F-4EEB-4706-9DED-BD4D1E2770EF}" type="datetimeFigureOut">
               <a:rPr lang="ru-RU" smtClean="0"/>
-              <a:t>17.02.2017</a:t>
+              <a:t>06.03.2017</a:t>
             </a:fld>
             <a:endParaRPr lang="ru-RU"/>
           </a:p>
@@ -1629,7 +1629,7 @@
           <a:p>
             <a:fld id="{165D581F-4EEB-4706-9DED-BD4D1E2770EF}" type="datetimeFigureOut">
               <a:rPr lang="ru-RU" smtClean="0"/>
-              <a:t>17.02.2017</a:t>
+              <a:t>06.03.2017</a:t>
             </a:fld>
             <a:endParaRPr lang="ru-RU"/>
           </a:p>
@@ -1747,7 +1747,7 @@
           <a:p>
             <a:fld id="{165D581F-4EEB-4706-9DED-BD4D1E2770EF}" type="datetimeFigureOut">
               <a:rPr lang="ru-RU" smtClean="0"/>
-              <a:t>17.02.2017</a:t>
+              <a:t>06.03.2017</a:t>
             </a:fld>
             <a:endParaRPr lang="ru-RU"/>
           </a:p>
@@ -1842,7 +1842,7 @@
           <a:p>
             <a:fld id="{165D581F-4EEB-4706-9DED-BD4D1E2770EF}" type="datetimeFigureOut">
               <a:rPr lang="ru-RU" smtClean="0"/>
-              <a:t>17.02.2017</a:t>
+              <a:t>06.03.2017</a:t>
             </a:fld>
             <a:endParaRPr lang="ru-RU"/>
           </a:p>
@@ -2119,7 +2119,7 @@
           <a:p>
             <a:fld id="{165D581F-4EEB-4706-9DED-BD4D1E2770EF}" type="datetimeFigureOut">
               <a:rPr lang="ru-RU" smtClean="0"/>
-              <a:t>17.02.2017</a:t>
+              <a:t>06.03.2017</a:t>
             </a:fld>
             <a:endParaRPr lang="ru-RU"/>
           </a:p>
@@ -2372,7 +2372,7 @@
           <a:p>
             <a:fld id="{165D581F-4EEB-4706-9DED-BD4D1E2770EF}" type="datetimeFigureOut">
               <a:rPr lang="ru-RU" smtClean="0"/>
-              <a:t>17.02.2017</a:t>
+              <a:t>06.03.2017</a:t>
             </a:fld>
             <a:endParaRPr lang="ru-RU"/>
           </a:p>
@@ -2585,7 +2585,7 @@
           <a:p>
             <a:fld id="{165D581F-4EEB-4706-9DED-BD4D1E2770EF}" type="datetimeFigureOut">
               <a:rPr lang="ru-RU" smtClean="0"/>
-              <a:t>17.02.2017</a:t>
+              <a:t>06.03.2017</a:t>
             </a:fld>
             <a:endParaRPr lang="ru-RU"/>
           </a:p>
@@ -3109,7 +3109,43 @@
           <a:bodyPr/>
           <a:lstStyle/>
           <a:p>
-            <a:endParaRPr lang="ru-RU"/>
+            <a:r>
+              <a:rPr lang="en-US" dirty="0" smtClean="0"/>
+              <a:t>Sergei </a:t>
+            </a:r>
+            <a:r>
+              <a:rPr lang="en-US" dirty="0" err="1" smtClean="0"/>
+              <a:t>Filippov</a:t>
+            </a:r>
+            <a:r>
+              <a:rPr lang="en-US" dirty="0" smtClean="0"/>
+              <a:t>, 9 grade</a:t>
+            </a:r>
+          </a:p>
+          <a:p>
+            <a:r>
+              <a:rPr lang="en-US" dirty="0" err="1" smtClean="0"/>
+              <a:t>Yakov</a:t>
+            </a:r>
+            <a:r>
+              <a:rPr lang="en-US" dirty="0" smtClean="0"/>
+              <a:t> </a:t>
+            </a:r>
+            <a:r>
+              <a:rPr lang="en-US" dirty="0" err="1" smtClean="0"/>
+              <a:t>Degaltsev</a:t>
+            </a:r>
+            <a:r>
+              <a:rPr lang="en-US" dirty="0" smtClean="0"/>
+              <a:t>, 11 grade</a:t>
+            </a:r>
+          </a:p>
+          <a:p>
+            <a:r>
+              <a:rPr lang="en-US" dirty="0" smtClean="0"/>
+              <a:t>TEAM FOTO</a:t>
+            </a:r>
+            <a:endParaRPr lang="ru-RU" dirty="0"/>
           </a:p>
         </p:txBody>
       </p:sp>
@@ -3160,7 +3196,11 @@
           <a:p>
             <a:r>
               <a:rPr lang="ru-RU" dirty="0" smtClean="0"/>
-              <a:t>Существующая проблема</a:t>
+              <a:t>Существующая </a:t>
+            </a:r>
+            <a:r>
+              <a:rPr lang="ru-RU" dirty="0" smtClean="0"/>
+              <a:t>проблема и ее последствия </a:t>
             </a:r>
             <a:endParaRPr lang="ru-RU" dirty="0"/>
           </a:p>
@@ -3183,15 +3223,53 @@
           <a:p>
             <a:r>
               <a:rPr lang="ru-RU" dirty="0" smtClean="0"/>
-              <a:t>Очень часто неправильное распределение положений светофора является причиной пробок и ненужного ожидания.</a:t>
-            </a:r>
-          </a:p>
-          <a:p>
+              <a:t>Очень часто неправильное распределение положений светофора является </a:t>
+            </a:r>
             <a:r>
               <a:rPr lang="ru-RU" dirty="0" smtClean="0"/>
-              <a:t>факты</a:t>
-            </a:r>
-            <a:endParaRPr lang="ru-RU" dirty="0"/>
+              <a:t>причиной</a:t>
+            </a:r>
+            <a:r>
+              <a:rPr lang="ru-RU" dirty="0"/>
+              <a:t> </a:t>
+            </a:r>
+            <a:r>
+              <a:rPr lang="ru-RU" dirty="0" smtClean="0"/>
+              <a:t>неоправданных</a:t>
+            </a:r>
+            <a:r>
+              <a:rPr lang="ru-RU" dirty="0" smtClean="0"/>
+              <a:t> </a:t>
+            </a:r>
+            <a:r>
+              <a:rPr lang="ru-RU" dirty="0" smtClean="0"/>
+              <a:t>пробок и ненужного ожидания</a:t>
+            </a:r>
+            <a:r>
+              <a:rPr lang="ru-RU" dirty="0" smtClean="0"/>
+              <a:t>.</a:t>
+            </a:r>
+          </a:p>
+          <a:p>
+            <a:r>
+              <a:rPr lang="ru-RU" dirty="0"/>
+              <a:t>Последствия отражаются как на дорожном движении, так и на пешеходном.</a:t>
+            </a:r>
+          </a:p>
+          <a:p>
+            <a:r>
+              <a:rPr lang="ru-RU" dirty="0"/>
+              <a:t>Пешеходы вынуждены долго ждать, и/или дается мало времени на переход.</a:t>
+            </a:r>
+          </a:p>
+          <a:p>
+            <a:r>
+              <a:rPr lang="ru-RU" dirty="0"/>
+              <a:t>Если же недостаточное количество времени дается дорожному транспорту, то неминуемо появления пробок или других ситуаций затрудняющих движение.</a:t>
+            </a:r>
+          </a:p>
+          <a:p>
+            <a:endParaRPr lang="ru-RU" dirty="0" smtClean="0"/>
           </a:p>
         </p:txBody>
       </p:sp>
@@ -3242,7 +3320,7 @@
           <a:p>
             <a:r>
               <a:rPr lang="ru-RU" dirty="0" smtClean="0"/>
-              <a:t>Последствия проблемы</a:t>
+              <a:t>	Примеры</a:t>
             </a:r>
             <a:endParaRPr lang="ru-RU" dirty="0"/>
           </a:p>
@@ -3263,14 +3341,20 @@
           <a:bodyPr/>
           <a:lstStyle/>
           <a:p>
-            <a:endParaRPr lang="ru-RU"/>
+            <a:r>
+              <a:rPr lang="ru-RU" dirty="0"/>
+              <a:t>Например светофор на улице нашей школы – переход очень маленький, но красный горит минуты 2, тогда как зеленый 20 секунд, и маломобильным группам граждан невозможно за этот срок перейти дорогу.</a:t>
+            </a:r>
+          </a:p>
+          <a:p>
+            <a:endParaRPr lang="ru-RU" dirty="0"/>
           </a:p>
         </p:txBody>
       </p:sp>
     </p:spTree>
     <p:extLst>
       <p:ext uri="{BB962C8B-B14F-4D97-AF65-F5344CB8AC3E}">
-        <p14:creationId xmlns:p14="http://schemas.microsoft.com/office/powerpoint/2010/main" val="3277459721"/>
+        <p14:creationId xmlns:p14="http://schemas.microsoft.com/office/powerpoint/2010/main" val="2429258028"/>
       </p:ext>
     </p:extLst>
   </p:cSld>
@@ -3335,7 +3419,32 @@
           <a:bodyPr/>
           <a:lstStyle/>
           <a:p>
-            <a:endParaRPr lang="ru-RU"/>
+            <a:r>
+              <a:rPr lang="ru-RU" dirty="0" smtClean="0"/>
+              <a:t>Если светофоры смогут определять количество машин в данный момент находящихся на перекрестке, то все эти проблемы могут быть решены</a:t>
+            </a:r>
+          </a:p>
+          <a:p>
+            <a:r>
+              <a:rPr lang="ru-RU" dirty="0" smtClean="0"/>
+              <a:t>Определить машину и их количество можно по уникальному коды машины – номеру, попутно можно отслеживать место нахождение и передвижение конкретного транспортного средства. Чем больше машин, тем больше времени им будет предоставлено, </a:t>
+            </a:r>
+            <a:r>
+              <a:rPr lang="ru-RU" smtClean="0"/>
+              <a:t>до определенной границы </a:t>
+            </a:r>
+            <a:r>
+              <a:rPr lang="ru-RU" dirty="0" smtClean="0"/>
+              <a:t>конечно.</a:t>
+            </a:r>
+            <a:endParaRPr lang="ru-RU" dirty="0" smtClean="0"/>
+          </a:p>
+          <a:p>
+            <a:r>
+              <a:rPr lang="ru-RU" b="1" dirty="0" smtClean="0"/>
+              <a:t>Как определять людей на перекресте и в частности маломобильны</a:t>
+            </a:r>
+            <a:endParaRPr lang="ru-RU" b="1" dirty="0"/>
           </a:p>
         </p:txBody>
       </p:sp>

--- a/Проект_светофор/презента.pptx
+++ b/Проект_светофор/презента.pptx
@@ -3041,6 +3041,47 @@
           </a:p>
         </p:txBody>
       </p:sp>
+      <p:pic>
+        <p:nvPicPr>
+          <p:cNvPr id="1028" name="Picture 4" descr="http://www.litceysel.ru/amda/%D0%9F%D1%80%D0%BE%D0%B3%D1%80%D0%B0%D0%BC%D0%BC%D0%B0+%D0%BA%D0%BE%D0%BD%D1%84%D0%B5%D1%80%D0%B5%D0%BD%D1%86%D0%B8%D0%B8+I.+15.+00-+15.+05a/166374_html_m8967760.jpg"/>
+          <p:cNvPicPr>
+            <a:picLocks noChangeAspect="1" noChangeArrowheads="1"/>
+          </p:cNvPicPr>
+          <p:nvPr/>
+        </p:nvPicPr>
+        <p:blipFill>
+          <a:blip r:embed="rId2" cstate="print">
+            <a:extLst>
+              <a:ext uri="{28A0092B-C50C-407E-A947-70E740481C1C}">
+                <a14:useLocalDpi xmlns:a14="http://schemas.microsoft.com/office/drawing/2010/main" val="0"/>
+              </a:ext>
+            </a:extLst>
+          </a:blip>
+          <a:srcRect/>
+          <a:stretch>
+            <a:fillRect/>
+          </a:stretch>
+        </p:blipFill>
+        <p:spPr bwMode="auto">
+          <a:xfrm>
+            <a:off x="10440577" y="149901"/>
+            <a:ext cx="1617251" cy="855856"/>
+          </a:xfrm>
+          <a:prstGeom prst="rect">
+            <a:avLst/>
+          </a:prstGeom>
+          <a:noFill/>
+          <a:extLst>
+            <a:ext uri="{909E8E84-426E-40DD-AFC4-6F175D3DCCD1}">
+              <a14:hiddenFill xmlns:a14="http://schemas.microsoft.com/office/drawing/2010/main">
+                <a:solidFill>
+                  <a:srgbClr val="FFFFFF"/>
+                </a:solidFill>
+              </a14:hiddenFill>
+            </a:ext>
+          </a:extLst>
+        </p:spPr>
+      </p:pic>
     </p:spTree>
     <p:extLst>
       <p:ext uri="{BB962C8B-B14F-4D97-AF65-F5344CB8AC3E}">
@@ -3149,6 +3190,47 @@
           </a:p>
         </p:txBody>
       </p:sp>
+      <p:pic>
+        <p:nvPicPr>
+          <p:cNvPr id="4" name="Picture 4" descr="http://www.litceysel.ru/amda/%D0%9F%D1%80%D0%BE%D0%B3%D1%80%D0%B0%D0%BC%D0%BC%D0%B0+%D0%BA%D0%BE%D0%BD%D1%84%D0%B5%D1%80%D0%B5%D0%BD%D1%86%D0%B8%D0%B8+I.+15.+00-+15.+05a/166374_html_m8967760.jpg"/>
+          <p:cNvPicPr>
+            <a:picLocks noChangeAspect="1" noChangeArrowheads="1"/>
+          </p:cNvPicPr>
+          <p:nvPr/>
+        </p:nvPicPr>
+        <p:blipFill>
+          <a:blip r:embed="rId2" cstate="print">
+            <a:extLst>
+              <a:ext uri="{28A0092B-C50C-407E-A947-70E740481C1C}">
+                <a14:useLocalDpi xmlns:a14="http://schemas.microsoft.com/office/drawing/2010/main" val="0"/>
+              </a:ext>
+            </a:extLst>
+          </a:blip>
+          <a:srcRect/>
+          <a:stretch>
+            <a:fillRect/>
+          </a:stretch>
+        </p:blipFill>
+        <p:spPr bwMode="auto">
+          <a:xfrm>
+            <a:off x="10440577" y="149901"/>
+            <a:ext cx="1617251" cy="855856"/>
+          </a:xfrm>
+          <a:prstGeom prst="rect">
+            <a:avLst/>
+          </a:prstGeom>
+          <a:noFill/>
+          <a:extLst>
+            <a:ext uri="{909E8E84-426E-40DD-AFC4-6F175D3DCCD1}">
+              <a14:hiddenFill xmlns:a14="http://schemas.microsoft.com/office/drawing/2010/main">
+                <a:solidFill>
+                  <a:srgbClr val="FFFFFF"/>
+                </a:solidFill>
+              </a14:hiddenFill>
+            </a:ext>
+          </a:extLst>
+        </p:spPr>
+      </p:pic>
     </p:spTree>
     <p:extLst>
       <p:ext uri="{BB962C8B-B14F-4D97-AF65-F5344CB8AC3E}">
@@ -3196,38 +3278,30 @@
           <a:p>
             <a:r>
               <a:rPr lang="ru-RU" dirty="0" smtClean="0"/>
-              <a:t>Существующая </a:t>
-            </a:r>
+              <a:t>Существующая проблема и ее последствия </a:t>
+            </a:r>
+            <a:endParaRPr lang="ru-RU" dirty="0"/>
+          </a:p>
+        </p:txBody>
+      </p:sp>
+      <p:sp>
+        <p:nvSpPr>
+          <p:cNvPr id="3" name="Объект 2"/>
+          <p:cNvSpPr>
+            <a:spLocks noGrp="1"/>
+          </p:cNvSpPr>
+          <p:nvPr>
+            <p:ph idx="1"/>
+          </p:nvPr>
+        </p:nvSpPr>
+        <p:spPr/>
+        <p:txBody>
+          <a:bodyPr/>
+          <a:lstStyle/>
+          <a:p>
             <a:r>
               <a:rPr lang="ru-RU" dirty="0" smtClean="0"/>
-              <a:t>проблема и ее последствия </a:t>
-            </a:r>
-            <a:endParaRPr lang="ru-RU" dirty="0"/>
-          </a:p>
-        </p:txBody>
-      </p:sp>
-      <p:sp>
-        <p:nvSpPr>
-          <p:cNvPr id="3" name="Объект 2"/>
-          <p:cNvSpPr>
-            <a:spLocks noGrp="1"/>
-          </p:cNvSpPr>
-          <p:nvPr>
-            <p:ph idx="1"/>
-          </p:nvPr>
-        </p:nvSpPr>
-        <p:spPr/>
-        <p:txBody>
-          <a:bodyPr/>
-          <a:lstStyle/>
-          <a:p>
-            <a:r>
-              <a:rPr lang="ru-RU" dirty="0" smtClean="0"/>
-              <a:t>Очень часто неправильное распределение положений светофора является </a:t>
-            </a:r>
-            <a:r>
-              <a:rPr lang="ru-RU" dirty="0" smtClean="0"/>
-              <a:t>причиной</a:t>
+              <a:t>Очень часто неправильное распределение положений светофора является причиной</a:t>
             </a:r>
             <a:r>
               <a:rPr lang="ru-RU" dirty="0"/>
@@ -3235,19 +3309,7 @@
             </a:r>
             <a:r>
               <a:rPr lang="ru-RU" dirty="0" smtClean="0"/>
-              <a:t>неоправданных</a:t>
-            </a:r>
-            <a:r>
-              <a:rPr lang="ru-RU" dirty="0" smtClean="0"/>
-              <a:t> </a:t>
-            </a:r>
-            <a:r>
-              <a:rPr lang="ru-RU" dirty="0" smtClean="0"/>
-              <a:t>пробок и ненужного ожидания</a:t>
-            </a:r>
-            <a:r>
-              <a:rPr lang="ru-RU" dirty="0" smtClean="0"/>
-              <a:t>.</a:t>
+              <a:t>неоправданных пробок и ненужного ожидания.</a:t>
             </a:r>
           </a:p>
           <a:p>
@@ -3273,6 +3335,47 @@
           </a:p>
         </p:txBody>
       </p:sp>
+      <p:pic>
+        <p:nvPicPr>
+          <p:cNvPr id="4" name="Picture 4" descr="http://www.litceysel.ru/amda/%D0%9F%D1%80%D0%BE%D0%B3%D1%80%D0%B0%D0%BC%D0%BC%D0%B0+%D0%BA%D0%BE%D0%BD%D1%84%D0%B5%D1%80%D0%B5%D0%BD%D1%86%D0%B8%D0%B8+I.+15.+00-+15.+05a/166374_html_m8967760.jpg"/>
+          <p:cNvPicPr>
+            <a:picLocks noChangeAspect="1" noChangeArrowheads="1"/>
+          </p:cNvPicPr>
+          <p:nvPr/>
+        </p:nvPicPr>
+        <p:blipFill>
+          <a:blip r:embed="rId2" cstate="print">
+            <a:extLst>
+              <a:ext uri="{28A0092B-C50C-407E-A947-70E740481C1C}">
+                <a14:useLocalDpi xmlns:a14="http://schemas.microsoft.com/office/drawing/2010/main" val="0"/>
+              </a:ext>
+            </a:extLst>
+          </a:blip>
+          <a:srcRect/>
+          <a:stretch>
+            <a:fillRect/>
+          </a:stretch>
+        </p:blipFill>
+        <p:spPr bwMode="auto">
+          <a:xfrm>
+            <a:off x="10440577" y="149901"/>
+            <a:ext cx="1617251" cy="855856"/>
+          </a:xfrm>
+          <a:prstGeom prst="rect">
+            <a:avLst/>
+          </a:prstGeom>
+          <a:noFill/>
+          <a:extLst>
+            <a:ext uri="{909E8E84-426E-40DD-AFC4-6F175D3DCCD1}">
+              <a14:hiddenFill xmlns:a14="http://schemas.microsoft.com/office/drawing/2010/main">
+                <a:solidFill>
+                  <a:srgbClr val="FFFFFF"/>
+                </a:solidFill>
+              </a14:hiddenFill>
+            </a:ext>
+          </a:extLst>
+        </p:spPr>
+      </p:pic>
     </p:spTree>
     <p:extLst>
       <p:ext uri="{BB962C8B-B14F-4D97-AF65-F5344CB8AC3E}">
@@ -3351,6 +3454,47 @@
           </a:p>
         </p:txBody>
       </p:sp>
+      <p:pic>
+        <p:nvPicPr>
+          <p:cNvPr id="4" name="Picture 4" descr="http://www.litceysel.ru/amda/%D0%9F%D1%80%D0%BE%D0%B3%D1%80%D0%B0%D0%BC%D0%BC%D0%B0+%D0%BA%D0%BE%D0%BD%D1%84%D0%B5%D1%80%D0%B5%D0%BD%D1%86%D0%B8%D0%B8+I.+15.+00-+15.+05a/166374_html_m8967760.jpg"/>
+          <p:cNvPicPr>
+            <a:picLocks noChangeAspect="1" noChangeArrowheads="1"/>
+          </p:cNvPicPr>
+          <p:nvPr/>
+        </p:nvPicPr>
+        <p:blipFill>
+          <a:blip r:embed="rId2" cstate="print">
+            <a:extLst>
+              <a:ext uri="{28A0092B-C50C-407E-A947-70E740481C1C}">
+                <a14:useLocalDpi xmlns:a14="http://schemas.microsoft.com/office/drawing/2010/main" val="0"/>
+              </a:ext>
+            </a:extLst>
+          </a:blip>
+          <a:srcRect/>
+          <a:stretch>
+            <a:fillRect/>
+          </a:stretch>
+        </p:blipFill>
+        <p:spPr bwMode="auto">
+          <a:xfrm>
+            <a:off x="10440577" y="149901"/>
+            <a:ext cx="1617251" cy="855856"/>
+          </a:xfrm>
+          <a:prstGeom prst="rect">
+            <a:avLst/>
+          </a:prstGeom>
+          <a:noFill/>
+          <a:extLst>
+            <a:ext uri="{909E8E84-426E-40DD-AFC4-6F175D3DCCD1}">
+              <a14:hiddenFill xmlns:a14="http://schemas.microsoft.com/office/drawing/2010/main">
+                <a:solidFill>
+                  <a:srgbClr val="FFFFFF"/>
+                </a:solidFill>
+              </a14:hiddenFill>
+            </a:ext>
+          </a:extLst>
+        </p:spPr>
+      </p:pic>
     </p:spTree>
     <p:extLst>
       <p:ext uri="{BB962C8B-B14F-4D97-AF65-F5344CB8AC3E}">
@@ -3437,7 +3581,6 @@
               <a:rPr lang="ru-RU" dirty="0" smtClean="0"/>
               <a:t>конечно.</a:t>
             </a:r>
-            <a:endParaRPr lang="ru-RU" dirty="0" smtClean="0"/>
           </a:p>
           <a:p>
             <a:r>
@@ -3448,6 +3591,47 @@
           </a:p>
         </p:txBody>
       </p:sp>
+      <p:pic>
+        <p:nvPicPr>
+          <p:cNvPr id="4" name="Picture 4" descr="http://www.litceysel.ru/amda/%D0%9F%D1%80%D0%BE%D0%B3%D1%80%D0%B0%D0%BC%D0%BC%D0%B0+%D0%BA%D0%BE%D0%BD%D1%84%D0%B5%D1%80%D0%B5%D0%BD%D1%86%D0%B8%D0%B8+I.+15.+00-+15.+05a/166374_html_m8967760.jpg"/>
+          <p:cNvPicPr>
+            <a:picLocks noChangeAspect="1" noChangeArrowheads="1"/>
+          </p:cNvPicPr>
+          <p:nvPr/>
+        </p:nvPicPr>
+        <p:blipFill>
+          <a:blip r:embed="rId2" cstate="print">
+            <a:extLst>
+              <a:ext uri="{28A0092B-C50C-407E-A947-70E740481C1C}">
+                <a14:useLocalDpi xmlns:a14="http://schemas.microsoft.com/office/drawing/2010/main" val="0"/>
+              </a:ext>
+            </a:extLst>
+          </a:blip>
+          <a:srcRect/>
+          <a:stretch>
+            <a:fillRect/>
+          </a:stretch>
+        </p:blipFill>
+        <p:spPr bwMode="auto">
+          <a:xfrm>
+            <a:off x="10440577" y="149901"/>
+            <a:ext cx="1617251" cy="855856"/>
+          </a:xfrm>
+          <a:prstGeom prst="rect">
+            <a:avLst/>
+          </a:prstGeom>
+          <a:noFill/>
+          <a:extLst>
+            <a:ext uri="{909E8E84-426E-40DD-AFC4-6F175D3DCCD1}">
+              <a14:hiddenFill xmlns:a14="http://schemas.microsoft.com/office/drawing/2010/main">
+                <a:solidFill>
+                  <a:srgbClr val="FFFFFF"/>
+                </a:solidFill>
+              </a14:hiddenFill>
+            </a:ext>
+          </a:extLst>
+        </p:spPr>
+      </p:pic>
     </p:spTree>
     <p:extLst>
       <p:ext uri="{BB962C8B-B14F-4D97-AF65-F5344CB8AC3E}">
@@ -3520,6 +3704,47 @@
           </a:p>
         </p:txBody>
       </p:sp>
+      <p:pic>
+        <p:nvPicPr>
+          <p:cNvPr id="4" name="Picture 4" descr="http://www.litceysel.ru/amda/%D0%9F%D1%80%D0%BE%D0%B3%D1%80%D0%B0%D0%BC%D0%BC%D0%B0+%D0%BA%D0%BE%D0%BD%D1%84%D0%B5%D1%80%D0%B5%D0%BD%D1%86%D0%B8%D0%B8+I.+15.+00-+15.+05a/166374_html_m8967760.jpg"/>
+          <p:cNvPicPr>
+            <a:picLocks noChangeAspect="1" noChangeArrowheads="1"/>
+          </p:cNvPicPr>
+          <p:nvPr/>
+        </p:nvPicPr>
+        <p:blipFill>
+          <a:blip r:embed="rId2" cstate="print">
+            <a:extLst>
+              <a:ext uri="{28A0092B-C50C-407E-A947-70E740481C1C}">
+                <a14:useLocalDpi xmlns:a14="http://schemas.microsoft.com/office/drawing/2010/main" val="0"/>
+              </a:ext>
+            </a:extLst>
+          </a:blip>
+          <a:srcRect/>
+          <a:stretch>
+            <a:fillRect/>
+          </a:stretch>
+        </p:blipFill>
+        <p:spPr bwMode="auto">
+          <a:xfrm>
+            <a:off x="10440577" y="149901"/>
+            <a:ext cx="1617251" cy="855856"/>
+          </a:xfrm>
+          <a:prstGeom prst="rect">
+            <a:avLst/>
+          </a:prstGeom>
+          <a:noFill/>
+          <a:extLst>
+            <a:ext uri="{909E8E84-426E-40DD-AFC4-6F175D3DCCD1}">
+              <a14:hiddenFill xmlns:a14="http://schemas.microsoft.com/office/drawing/2010/main">
+                <a:solidFill>
+                  <a:srgbClr val="FFFFFF"/>
+                </a:solidFill>
+              </a14:hiddenFill>
+            </a:ext>
+          </a:extLst>
+        </p:spPr>
+      </p:pic>
     </p:spTree>
     <p:extLst>
       <p:ext uri="{BB962C8B-B14F-4D97-AF65-F5344CB8AC3E}">
@@ -3592,6 +3817,47 @@
           </a:p>
         </p:txBody>
       </p:sp>
+      <p:pic>
+        <p:nvPicPr>
+          <p:cNvPr id="4" name="Picture 4" descr="http://www.litceysel.ru/amda/%D0%9F%D1%80%D0%BE%D0%B3%D1%80%D0%B0%D0%BC%D0%BC%D0%B0+%D0%BA%D0%BE%D0%BD%D1%84%D0%B5%D1%80%D0%B5%D0%BD%D1%86%D0%B8%D0%B8+I.+15.+00-+15.+05a/166374_html_m8967760.jpg"/>
+          <p:cNvPicPr>
+            <a:picLocks noChangeAspect="1" noChangeArrowheads="1"/>
+          </p:cNvPicPr>
+          <p:nvPr/>
+        </p:nvPicPr>
+        <p:blipFill>
+          <a:blip r:embed="rId2" cstate="print">
+            <a:extLst>
+              <a:ext uri="{28A0092B-C50C-407E-A947-70E740481C1C}">
+                <a14:useLocalDpi xmlns:a14="http://schemas.microsoft.com/office/drawing/2010/main" val="0"/>
+              </a:ext>
+            </a:extLst>
+          </a:blip>
+          <a:srcRect/>
+          <a:stretch>
+            <a:fillRect/>
+          </a:stretch>
+        </p:blipFill>
+        <p:spPr bwMode="auto">
+          <a:xfrm>
+            <a:off x="10440577" y="149901"/>
+            <a:ext cx="1617251" cy="855856"/>
+          </a:xfrm>
+          <a:prstGeom prst="rect">
+            <a:avLst/>
+          </a:prstGeom>
+          <a:noFill/>
+          <a:extLst>
+            <a:ext uri="{909E8E84-426E-40DD-AFC4-6F175D3DCCD1}">
+              <a14:hiddenFill xmlns:a14="http://schemas.microsoft.com/office/drawing/2010/main">
+                <a:solidFill>
+                  <a:srgbClr val="FFFFFF"/>
+                </a:solidFill>
+              </a14:hiddenFill>
+            </a:ext>
+          </a:extLst>
+        </p:spPr>
+      </p:pic>
     </p:spTree>
     <p:extLst>
       <p:ext uri="{BB962C8B-B14F-4D97-AF65-F5344CB8AC3E}">

--- a/Проект_светофор/презента.pptx
+++ b/Проект_светофор/презента.pptx
@@ -264,7 +264,7 @@
           <a:p>
             <a:fld id="{165D581F-4EEB-4706-9DED-BD4D1E2770EF}" type="datetimeFigureOut">
               <a:rPr lang="ru-RU" smtClean="0"/>
-              <a:t>06.03.2017</a:t>
+              <a:t>07.03.2017</a:t>
             </a:fld>
             <a:endParaRPr lang="ru-RU"/>
           </a:p>
@@ -434,7 +434,7 @@
           <a:p>
             <a:fld id="{165D581F-4EEB-4706-9DED-BD4D1E2770EF}" type="datetimeFigureOut">
               <a:rPr lang="ru-RU" smtClean="0"/>
-              <a:t>06.03.2017</a:t>
+              <a:t>07.03.2017</a:t>
             </a:fld>
             <a:endParaRPr lang="ru-RU"/>
           </a:p>
@@ -614,7 +614,7 @@
           <a:p>
             <a:fld id="{165D581F-4EEB-4706-9DED-BD4D1E2770EF}" type="datetimeFigureOut">
               <a:rPr lang="ru-RU" smtClean="0"/>
-              <a:t>06.03.2017</a:t>
+              <a:t>07.03.2017</a:t>
             </a:fld>
             <a:endParaRPr lang="ru-RU"/>
           </a:p>
@@ -784,7 +784,7 @@
           <a:p>
             <a:fld id="{165D581F-4EEB-4706-9DED-BD4D1E2770EF}" type="datetimeFigureOut">
               <a:rPr lang="ru-RU" smtClean="0"/>
-              <a:t>06.03.2017</a:t>
+              <a:t>07.03.2017</a:t>
             </a:fld>
             <a:endParaRPr lang="ru-RU"/>
           </a:p>
@@ -1030,7 +1030,7 @@
           <a:p>
             <a:fld id="{165D581F-4EEB-4706-9DED-BD4D1E2770EF}" type="datetimeFigureOut">
               <a:rPr lang="ru-RU" smtClean="0"/>
-              <a:t>06.03.2017</a:t>
+              <a:t>07.03.2017</a:t>
             </a:fld>
             <a:endParaRPr lang="ru-RU"/>
           </a:p>
@@ -1262,7 +1262,7 @@
           <a:p>
             <a:fld id="{165D581F-4EEB-4706-9DED-BD4D1E2770EF}" type="datetimeFigureOut">
               <a:rPr lang="ru-RU" smtClean="0"/>
-              <a:t>06.03.2017</a:t>
+              <a:t>07.03.2017</a:t>
             </a:fld>
             <a:endParaRPr lang="ru-RU"/>
           </a:p>
@@ -1629,7 +1629,7 @@
           <a:p>
             <a:fld id="{165D581F-4EEB-4706-9DED-BD4D1E2770EF}" type="datetimeFigureOut">
               <a:rPr lang="ru-RU" smtClean="0"/>
-              <a:t>06.03.2017</a:t>
+              <a:t>07.03.2017</a:t>
             </a:fld>
             <a:endParaRPr lang="ru-RU"/>
           </a:p>
@@ -1747,7 +1747,7 @@
           <a:p>
             <a:fld id="{165D581F-4EEB-4706-9DED-BD4D1E2770EF}" type="datetimeFigureOut">
               <a:rPr lang="ru-RU" smtClean="0"/>
-              <a:t>06.03.2017</a:t>
+              <a:t>07.03.2017</a:t>
             </a:fld>
             <a:endParaRPr lang="ru-RU"/>
           </a:p>
@@ -1842,7 +1842,7 @@
           <a:p>
             <a:fld id="{165D581F-4EEB-4706-9DED-BD4D1E2770EF}" type="datetimeFigureOut">
               <a:rPr lang="ru-RU" smtClean="0"/>
-              <a:t>06.03.2017</a:t>
+              <a:t>07.03.2017</a:t>
             </a:fld>
             <a:endParaRPr lang="ru-RU"/>
           </a:p>
@@ -2119,7 +2119,7 @@
           <a:p>
             <a:fld id="{165D581F-4EEB-4706-9DED-BD4D1E2770EF}" type="datetimeFigureOut">
               <a:rPr lang="ru-RU" smtClean="0"/>
-              <a:t>06.03.2017</a:t>
+              <a:t>07.03.2017</a:t>
             </a:fld>
             <a:endParaRPr lang="ru-RU"/>
           </a:p>
@@ -2372,7 +2372,7 @@
           <a:p>
             <a:fld id="{165D581F-4EEB-4706-9DED-BD4D1E2770EF}" type="datetimeFigureOut">
               <a:rPr lang="ru-RU" smtClean="0"/>
-              <a:t>06.03.2017</a:t>
+              <a:t>07.03.2017</a:t>
             </a:fld>
             <a:endParaRPr lang="ru-RU"/>
           </a:p>
@@ -2585,7 +2585,7 @@
           <a:p>
             <a:fld id="{165D581F-4EEB-4706-9DED-BD4D1E2770EF}" type="datetimeFigureOut">
               <a:rPr lang="ru-RU" smtClean="0"/>
-              <a:t>06.03.2017</a:t>
+              <a:t>07.03.2017</a:t>
             </a:fld>
             <a:endParaRPr lang="ru-RU"/>
           </a:p>
@@ -3092,6 +3092,13 @@
   <p:clrMapOvr>
     <a:masterClrMapping/>
   </p:clrMapOvr>
+  <p:timing>
+    <p:tnLst>
+      <p:par>
+        <p:cTn id="1" dur="indefinite" restart="never" nodeType="tmRoot"/>
+      </p:par>
+    </p:tnLst>
+  </p:timing>
 </p:sld>
 </file>
 
@@ -3241,6 +3248,13 @@
   <p:clrMapOvr>
     <a:masterClrMapping/>
   </p:clrMapOvr>
+  <p:timing>
+    <p:tnLst>
+      <p:par>
+        <p:cTn id="1" dur="indefinite" restart="never" nodeType="tmRoot"/>
+      </p:par>
+    </p:tnLst>
+  </p:timing>
 </p:sld>
 </file>
 
@@ -3386,6 +3400,13 @@
   <p:clrMapOvr>
     <a:masterClrMapping/>
   </p:clrMapOvr>
+  <p:timing>
+    <p:tnLst>
+      <p:par>
+        <p:cTn id="1" dur="indefinite" restart="never" nodeType="tmRoot"/>
+      </p:par>
+    </p:tnLst>
+  </p:timing>
 </p:sld>
 </file>
 
@@ -3423,7 +3444,7 @@
           <a:p>
             <a:r>
               <a:rPr lang="ru-RU" dirty="0" smtClean="0"/>
-              <a:t>	Примеры</a:t>
+              <a:t>	</a:t>
             </a:r>
             <a:endParaRPr lang="ru-RU" dirty="0"/>
           </a:p>
@@ -3439,17 +3460,27 @@
             <p:ph idx="1"/>
           </p:nvPr>
         </p:nvSpPr>
-        <p:spPr/>
-        <p:txBody>
-          <a:bodyPr/>
-          <a:lstStyle/>
-          <a:p>
-            <a:r>
-              <a:rPr lang="ru-RU" dirty="0"/>
-              <a:t>Например светофор на улице нашей школы – переход очень маленький, но красный горит минуты 2, тогда как зеленый 20 секунд, и маломобильным группам граждан невозможно за этот срок перейти дорогу.</a:t>
-            </a:r>
-          </a:p>
-          <a:p>
+        <p:spPr>
+          <a:xfrm>
+            <a:off x="331622" y="149901"/>
+            <a:ext cx="10515600" cy="4351338"/>
+          </a:xfrm>
+        </p:spPr>
+        <p:txBody>
+          <a:bodyPr/>
+          <a:lstStyle/>
+          <a:p>
+            <a:pPr marL="0" indent="0">
+              <a:buNone/>
+            </a:pPr>
+            <a:r>
+              <a:rPr lang="en-US" sz="4000" b="1" dirty="0" smtClean="0"/>
+              <a:t>  </a:t>
+            </a:r>
+            <a:r>
+              <a:rPr lang="ru-RU" sz="4000" b="1" dirty="0" smtClean="0"/>
+              <a:t> </a:t>
+            </a:r>
             <a:endParaRPr lang="ru-RU" dirty="0"/>
           </a:p>
         </p:txBody>
@@ -3495,6 +3526,96 @@
           </a:extLst>
         </p:spPr>
       </p:pic>
+      <p:pic>
+        <p:nvPicPr>
+          <p:cNvPr id="9" name="Рисунок 8"/>
+          <p:cNvPicPr>
+            <a:picLocks noChangeAspect="1"/>
+          </p:cNvPicPr>
+          <p:nvPr/>
+        </p:nvPicPr>
+        <p:blipFill>
+          <a:blip r:embed="rId3">
+            <a:extLst>
+              <a:ext uri="{28A0092B-C50C-407E-A947-70E740481C1C}">
+                <a14:useLocalDpi xmlns:a14="http://schemas.microsoft.com/office/drawing/2010/main" val="0"/>
+              </a:ext>
+            </a:extLst>
+          </a:blip>
+          <a:stretch>
+            <a:fillRect/>
+          </a:stretch>
+        </p:blipFill>
+        <p:spPr>
+          <a:xfrm>
+            <a:off x="3364992" y="658368"/>
+            <a:ext cx="5462016" cy="5541264"/>
+          </a:xfrm>
+          <a:prstGeom prst="rect">
+            <a:avLst/>
+          </a:prstGeom>
+        </p:spPr>
+      </p:pic>
+      <p:pic>
+        <p:nvPicPr>
+          <p:cNvPr id="7" name="Рисунок 6"/>
+          <p:cNvPicPr>
+            <a:picLocks noChangeAspect="1"/>
+          </p:cNvPicPr>
+          <p:nvPr/>
+        </p:nvPicPr>
+        <p:blipFill>
+          <a:blip r:embed="rId4" cstate="print">
+            <a:extLst>
+              <a:ext uri="{28A0092B-C50C-407E-A947-70E740481C1C}">
+                <a14:useLocalDpi xmlns:a14="http://schemas.microsoft.com/office/drawing/2010/main" val="0"/>
+              </a:ext>
+            </a:extLst>
+          </a:blip>
+          <a:stretch>
+            <a:fillRect/>
+          </a:stretch>
+        </p:blipFill>
+        <p:spPr>
+          <a:xfrm>
+            <a:off x="2823099" y="3497294"/>
+            <a:ext cx="1083786" cy="638230"/>
+          </a:xfrm>
+          <a:prstGeom prst="rect">
+            <a:avLst/>
+          </a:prstGeom>
+        </p:spPr>
+      </p:pic>
+      <p:pic>
+        <p:nvPicPr>
+          <p:cNvPr id="6" name="Рисунок 5"/>
+          <p:cNvPicPr>
+            <a:picLocks noChangeAspect="1"/>
+          </p:cNvPicPr>
+          <p:nvPr/>
+        </p:nvPicPr>
+        <p:blipFill>
+          <a:blip r:embed="rId5" cstate="print">
+            <a:extLst>
+              <a:ext uri="{28A0092B-C50C-407E-A947-70E740481C1C}">
+                <a14:useLocalDpi xmlns:a14="http://schemas.microsoft.com/office/drawing/2010/main" val="0"/>
+              </a:ext>
+            </a:extLst>
+          </a:blip>
+          <a:stretch>
+            <a:fillRect/>
+          </a:stretch>
+        </p:blipFill>
+        <p:spPr>
+          <a:xfrm>
+            <a:off x="8304099" y="2802536"/>
+            <a:ext cx="1258746" cy="826967"/>
+          </a:xfrm>
+          <a:prstGeom prst="rect">
+            <a:avLst/>
+          </a:prstGeom>
+        </p:spPr>
+      </p:pic>
     </p:spTree>
     <p:extLst>
       <p:ext uri="{BB962C8B-B14F-4D97-AF65-F5344CB8AC3E}">
@@ -3505,6 +3626,13 @@
   <p:clrMapOvr>
     <a:masterClrMapping/>
   </p:clrMapOvr>
+  <p:timing>
+    <p:tnLst>
+      <p:par>
+        <p:cTn id="1" dur="indefinite" restart="never" nodeType="tmRoot"/>
+      </p:par>
+    </p:tnLst>
+  </p:timing>
 </p:sld>
 </file>
 
@@ -3642,6 +3770,13 @@
   <p:clrMapOvr>
     <a:masterClrMapping/>
   </p:clrMapOvr>
+  <p:timing>
+    <p:tnLst>
+      <p:par>
+        <p:cTn id="1" dur="indefinite" restart="never" nodeType="tmRoot"/>
+      </p:par>
+    </p:tnLst>
+  </p:timing>
 </p:sld>
 </file>
 
@@ -3755,6 +3890,13 @@
   <p:clrMapOvr>
     <a:masterClrMapping/>
   </p:clrMapOvr>
+  <p:timing>
+    <p:tnLst>
+      <p:par>
+        <p:cTn id="1" dur="indefinite" restart="never" nodeType="tmRoot"/>
+      </p:par>
+    </p:tnLst>
+  </p:timing>
 </p:sld>
 </file>
 
@@ -3868,6 +4010,13 @@
   <p:clrMapOvr>
     <a:masterClrMapping/>
   </p:clrMapOvr>
+  <p:timing>
+    <p:tnLst>
+      <p:par>
+        <p:cTn id="1" dur="indefinite" restart="never" nodeType="tmRoot"/>
+      </p:par>
+    </p:tnLst>
+  </p:timing>
 </p:sld>
 </file>
 

--- a/Проект_светофор/презента.pptx
+++ b/Проект_светофор/презента.pptx
@@ -4,11 +4,14 @@
   <p:sldMasterIdLst>
     <p:sldMasterId id="2147483648" r:id="rId1"/>
   </p:sldMasterIdLst>
+  <p:notesMasterIdLst>
+    <p:notesMasterId r:id="rId9"/>
+  </p:notesMasterIdLst>
   <p:sldIdLst>
     <p:sldId id="256" r:id="rId2"/>
     <p:sldId id="262" r:id="rId3"/>
     <p:sldId id="257" r:id="rId4"/>
-    <p:sldId id="263" r:id="rId5"/>
+    <p:sldId id="264" r:id="rId5"/>
     <p:sldId id="259" r:id="rId6"/>
     <p:sldId id="261" r:id="rId7"/>
     <p:sldId id="260" r:id="rId8"/>
@@ -118,7 +121,7 @@
             <p14:sldId id="256"/>
             <p14:sldId id="262"/>
             <p14:sldId id="257"/>
-            <p14:sldId id="263"/>
+            <p14:sldId id="264"/>
             <p14:sldId id="259"/>
             <p14:sldId id="261"/>
             <p14:sldId id="260"/>
@@ -131,6 +134,356 @@
     </p:ext>
   </p:extLst>
 </p:presentation>
+</file>
+
+<file path=ppt/notesMasters/notesMaster1.xml><?xml version="1.0" encoding="utf-8"?>
+<p:notesMaster xmlns:a="http://schemas.openxmlformats.org/drawingml/2006/main" xmlns:r="http://schemas.openxmlformats.org/officeDocument/2006/relationships" xmlns:p="http://schemas.openxmlformats.org/presentationml/2006/main">
+  <p:cSld>
+    <p:bg>
+      <p:bgRef idx="1001">
+        <a:schemeClr val="bg1"/>
+      </p:bgRef>
+    </p:bg>
+    <p:spTree>
+      <p:nvGrpSpPr>
+        <p:cNvPr id="1" name=""/>
+        <p:cNvGrpSpPr/>
+        <p:nvPr/>
+      </p:nvGrpSpPr>
+      <p:grpSpPr>
+        <a:xfrm>
+          <a:off x="0" y="0"/>
+          <a:ext cx="0" cy="0"/>
+          <a:chOff x="0" y="0"/>
+          <a:chExt cx="0" cy="0"/>
+        </a:xfrm>
+      </p:grpSpPr>
+      <p:sp>
+        <p:nvSpPr>
+          <p:cNvPr id="2" name="Верхний колонтитул 1"/>
+          <p:cNvSpPr>
+            <a:spLocks noGrp="1"/>
+          </p:cNvSpPr>
+          <p:nvPr>
+            <p:ph type="hdr" sz="quarter"/>
+          </p:nvPr>
+        </p:nvSpPr>
+        <p:spPr>
+          <a:xfrm>
+            <a:off x="0" y="0"/>
+            <a:ext cx="2971800" cy="458788"/>
+          </a:xfrm>
+          <a:prstGeom prst="rect">
+            <a:avLst/>
+          </a:prstGeom>
+        </p:spPr>
+        <p:txBody>
+          <a:bodyPr vert="horz" lIns="91440" tIns="45720" rIns="91440" bIns="45720" rtlCol="0"/>
+          <a:lstStyle>
+            <a:lvl1pPr algn="l">
+              <a:defRPr sz="1200"/>
+            </a:lvl1pPr>
+          </a:lstStyle>
+          <a:p>
+            <a:endParaRPr lang="ru-RU"/>
+          </a:p>
+        </p:txBody>
+      </p:sp>
+      <p:sp>
+        <p:nvSpPr>
+          <p:cNvPr id="3" name="Дата 2"/>
+          <p:cNvSpPr>
+            <a:spLocks noGrp="1"/>
+          </p:cNvSpPr>
+          <p:nvPr>
+            <p:ph type="dt" idx="1"/>
+          </p:nvPr>
+        </p:nvSpPr>
+        <p:spPr>
+          <a:xfrm>
+            <a:off x="3884613" y="0"/>
+            <a:ext cx="2971800" cy="458788"/>
+          </a:xfrm>
+          <a:prstGeom prst="rect">
+            <a:avLst/>
+          </a:prstGeom>
+        </p:spPr>
+        <p:txBody>
+          <a:bodyPr vert="horz" lIns="91440" tIns="45720" rIns="91440" bIns="45720" rtlCol="0"/>
+          <a:lstStyle>
+            <a:lvl1pPr algn="r">
+              <a:defRPr sz="1200"/>
+            </a:lvl1pPr>
+          </a:lstStyle>
+          <a:p>
+            <a:fld id="{87E1A9CD-F0DF-4292-AD60-DFAE63E1D4D5}" type="datetimeFigureOut">
+              <a:rPr lang="ru-RU" smtClean="0"/>
+              <a:t>09.03.2017</a:t>
+            </a:fld>
+            <a:endParaRPr lang="ru-RU"/>
+          </a:p>
+        </p:txBody>
+      </p:sp>
+      <p:sp>
+        <p:nvSpPr>
+          <p:cNvPr id="4" name="Образ слайда 3"/>
+          <p:cNvSpPr>
+            <a:spLocks noGrp="1" noRot="1" noChangeAspect="1"/>
+          </p:cNvSpPr>
+          <p:nvPr>
+            <p:ph type="sldImg" idx="2"/>
+          </p:nvPr>
+        </p:nvSpPr>
+        <p:spPr>
+          <a:xfrm>
+            <a:off x="685800" y="1143000"/>
+            <a:ext cx="5486400" cy="3086100"/>
+          </a:xfrm>
+          <a:prstGeom prst="rect">
+            <a:avLst/>
+          </a:prstGeom>
+          <a:noFill/>
+          <a:ln w="12700">
+            <a:solidFill>
+              <a:prstClr val="black"/>
+            </a:solidFill>
+          </a:ln>
+        </p:spPr>
+        <p:txBody>
+          <a:bodyPr vert="horz" lIns="91440" tIns="45720" rIns="91440" bIns="45720" rtlCol="0" anchor="ctr"/>
+          <a:lstStyle/>
+          <a:p>
+            <a:endParaRPr lang="ru-RU"/>
+          </a:p>
+        </p:txBody>
+      </p:sp>
+      <p:sp>
+        <p:nvSpPr>
+          <p:cNvPr id="5" name="Заметки 4"/>
+          <p:cNvSpPr>
+            <a:spLocks noGrp="1"/>
+          </p:cNvSpPr>
+          <p:nvPr>
+            <p:ph type="body" sz="quarter" idx="3"/>
+          </p:nvPr>
+        </p:nvSpPr>
+        <p:spPr>
+          <a:xfrm>
+            <a:off x="685800" y="4400550"/>
+            <a:ext cx="5486400" cy="3600450"/>
+          </a:xfrm>
+          <a:prstGeom prst="rect">
+            <a:avLst/>
+          </a:prstGeom>
+        </p:spPr>
+        <p:txBody>
+          <a:bodyPr vert="horz" lIns="91440" tIns="45720" rIns="91440" bIns="45720" rtlCol="0"/>
+          <a:lstStyle/>
+          <a:p>
+            <a:pPr lvl="0"/>
+            <a:r>
+              <a:rPr lang="ru-RU" smtClean="0"/>
+              <a:t>Образец текста</a:t>
+            </a:r>
+          </a:p>
+          <a:p>
+            <a:pPr lvl="1"/>
+            <a:r>
+              <a:rPr lang="ru-RU" smtClean="0"/>
+              <a:t>Второй уровень</a:t>
+            </a:r>
+          </a:p>
+          <a:p>
+            <a:pPr lvl="2"/>
+            <a:r>
+              <a:rPr lang="ru-RU" smtClean="0"/>
+              <a:t>Третий уровень</a:t>
+            </a:r>
+          </a:p>
+          <a:p>
+            <a:pPr lvl="3"/>
+            <a:r>
+              <a:rPr lang="ru-RU" smtClean="0"/>
+              <a:t>Четвертый уровень</a:t>
+            </a:r>
+          </a:p>
+          <a:p>
+            <a:pPr lvl="4"/>
+            <a:r>
+              <a:rPr lang="ru-RU" smtClean="0"/>
+              <a:t>Пятый уровень</a:t>
+            </a:r>
+            <a:endParaRPr lang="ru-RU"/>
+          </a:p>
+        </p:txBody>
+      </p:sp>
+      <p:sp>
+        <p:nvSpPr>
+          <p:cNvPr id="6" name="Нижний колонтитул 5"/>
+          <p:cNvSpPr>
+            <a:spLocks noGrp="1"/>
+          </p:cNvSpPr>
+          <p:nvPr>
+            <p:ph type="ftr" sz="quarter" idx="4"/>
+          </p:nvPr>
+        </p:nvSpPr>
+        <p:spPr>
+          <a:xfrm>
+            <a:off x="0" y="8685213"/>
+            <a:ext cx="2971800" cy="458787"/>
+          </a:xfrm>
+          <a:prstGeom prst="rect">
+            <a:avLst/>
+          </a:prstGeom>
+        </p:spPr>
+        <p:txBody>
+          <a:bodyPr vert="horz" lIns="91440" tIns="45720" rIns="91440" bIns="45720" rtlCol="0" anchor="b"/>
+          <a:lstStyle>
+            <a:lvl1pPr algn="l">
+              <a:defRPr sz="1200"/>
+            </a:lvl1pPr>
+          </a:lstStyle>
+          <a:p>
+            <a:endParaRPr lang="ru-RU"/>
+          </a:p>
+        </p:txBody>
+      </p:sp>
+      <p:sp>
+        <p:nvSpPr>
+          <p:cNvPr id="7" name="Номер слайда 6"/>
+          <p:cNvSpPr>
+            <a:spLocks noGrp="1"/>
+          </p:cNvSpPr>
+          <p:nvPr>
+            <p:ph type="sldNum" sz="quarter" idx="5"/>
+          </p:nvPr>
+        </p:nvSpPr>
+        <p:spPr>
+          <a:xfrm>
+            <a:off x="3884613" y="8685213"/>
+            <a:ext cx="2971800" cy="458787"/>
+          </a:xfrm>
+          <a:prstGeom prst="rect">
+            <a:avLst/>
+          </a:prstGeom>
+        </p:spPr>
+        <p:txBody>
+          <a:bodyPr vert="horz" lIns="91440" tIns="45720" rIns="91440" bIns="45720" rtlCol="0" anchor="b"/>
+          <a:lstStyle>
+            <a:lvl1pPr algn="r">
+              <a:defRPr sz="1200"/>
+            </a:lvl1pPr>
+          </a:lstStyle>
+          <a:p>
+            <a:fld id="{5B9BBA0C-8E87-4A03-94A7-BAD1AD9F7A9F}" type="slidenum">
+              <a:rPr lang="ru-RU" smtClean="0"/>
+              <a:t>‹#›</a:t>
+            </a:fld>
+            <a:endParaRPr lang="ru-RU"/>
+          </a:p>
+        </p:txBody>
+      </p:sp>
+    </p:spTree>
+    <p:extLst>
+      <p:ext uri="{BB962C8B-B14F-4D97-AF65-F5344CB8AC3E}">
+        <p14:creationId xmlns:p14="http://schemas.microsoft.com/office/powerpoint/2010/main" val="2382959613"/>
+      </p:ext>
+    </p:extLst>
+  </p:cSld>
+  <p:clrMap bg1="lt1" tx1="dk1" bg2="lt2" tx2="dk2" accent1="accent1" accent2="accent2" accent3="accent3" accent4="accent4" accent5="accent5" accent6="accent6" hlink="hlink" folHlink="folHlink"/>
+  <p:notesStyle>
+    <a:lvl1pPr marL="0" algn="l" defTabSz="914400" rtl="0" eaLnBrk="1" latinLnBrk="0" hangingPunct="1">
+      <a:defRPr sz="1200" kern="1200">
+        <a:solidFill>
+          <a:schemeClr val="tx1"/>
+        </a:solidFill>
+        <a:latin typeface="+mn-lt"/>
+        <a:ea typeface="+mn-ea"/>
+        <a:cs typeface="+mn-cs"/>
+      </a:defRPr>
+    </a:lvl1pPr>
+    <a:lvl2pPr marL="457200" algn="l" defTabSz="914400" rtl="0" eaLnBrk="1" latinLnBrk="0" hangingPunct="1">
+      <a:defRPr sz="1200" kern="1200">
+        <a:solidFill>
+          <a:schemeClr val="tx1"/>
+        </a:solidFill>
+        <a:latin typeface="+mn-lt"/>
+        <a:ea typeface="+mn-ea"/>
+        <a:cs typeface="+mn-cs"/>
+      </a:defRPr>
+    </a:lvl2pPr>
+    <a:lvl3pPr marL="914400" algn="l" defTabSz="914400" rtl="0" eaLnBrk="1" latinLnBrk="0" hangingPunct="1">
+      <a:defRPr sz="1200" kern="1200">
+        <a:solidFill>
+          <a:schemeClr val="tx1"/>
+        </a:solidFill>
+        <a:latin typeface="+mn-lt"/>
+        <a:ea typeface="+mn-ea"/>
+        <a:cs typeface="+mn-cs"/>
+      </a:defRPr>
+    </a:lvl3pPr>
+    <a:lvl4pPr marL="1371600" algn="l" defTabSz="914400" rtl="0" eaLnBrk="1" latinLnBrk="0" hangingPunct="1">
+      <a:defRPr sz="1200" kern="1200">
+        <a:solidFill>
+          <a:schemeClr val="tx1"/>
+        </a:solidFill>
+        <a:latin typeface="+mn-lt"/>
+        <a:ea typeface="+mn-ea"/>
+        <a:cs typeface="+mn-cs"/>
+      </a:defRPr>
+    </a:lvl4pPr>
+    <a:lvl5pPr marL="1828800" algn="l" defTabSz="914400" rtl="0" eaLnBrk="1" latinLnBrk="0" hangingPunct="1">
+      <a:defRPr sz="1200" kern="1200">
+        <a:solidFill>
+          <a:schemeClr val="tx1"/>
+        </a:solidFill>
+        <a:latin typeface="+mn-lt"/>
+        <a:ea typeface="+mn-ea"/>
+        <a:cs typeface="+mn-cs"/>
+      </a:defRPr>
+    </a:lvl5pPr>
+    <a:lvl6pPr marL="2286000" algn="l" defTabSz="914400" rtl="0" eaLnBrk="1" latinLnBrk="0" hangingPunct="1">
+      <a:defRPr sz="1200" kern="1200">
+        <a:solidFill>
+          <a:schemeClr val="tx1"/>
+        </a:solidFill>
+        <a:latin typeface="+mn-lt"/>
+        <a:ea typeface="+mn-ea"/>
+        <a:cs typeface="+mn-cs"/>
+      </a:defRPr>
+    </a:lvl6pPr>
+    <a:lvl7pPr marL="2743200" algn="l" defTabSz="914400" rtl="0" eaLnBrk="1" latinLnBrk="0" hangingPunct="1">
+      <a:defRPr sz="1200" kern="1200">
+        <a:solidFill>
+          <a:schemeClr val="tx1"/>
+        </a:solidFill>
+        <a:latin typeface="+mn-lt"/>
+        <a:ea typeface="+mn-ea"/>
+        <a:cs typeface="+mn-cs"/>
+      </a:defRPr>
+    </a:lvl7pPr>
+    <a:lvl8pPr marL="3200400" algn="l" defTabSz="914400" rtl="0" eaLnBrk="1" latinLnBrk="0" hangingPunct="1">
+      <a:defRPr sz="1200" kern="1200">
+        <a:solidFill>
+          <a:schemeClr val="tx1"/>
+        </a:solidFill>
+        <a:latin typeface="+mn-lt"/>
+        <a:ea typeface="+mn-ea"/>
+        <a:cs typeface="+mn-cs"/>
+      </a:defRPr>
+    </a:lvl8pPr>
+    <a:lvl9pPr marL="3657600" algn="l" defTabSz="914400" rtl="0" eaLnBrk="1" latinLnBrk="0" hangingPunct="1">
+      <a:defRPr sz="1200" kern="1200">
+        <a:solidFill>
+          <a:schemeClr val="tx1"/>
+        </a:solidFill>
+        <a:latin typeface="+mn-lt"/>
+        <a:ea typeface="+mn-ea"/>
+        <a:cs typeface="+mn-cs"/>
+      </a:defRPr>
+    </a:lvl9pPr>
+  </p:notesStyle>
+</p:notesMaster>
 </file>
 
 <file path=ppt/slideLayouts/slideLayout1.xml><?xml version="1.0" encoding="utf-8"?>
@@ -264,7 +617,7 @@
           <a:p>
             <a:fld id="{165D581F-4EEB-4706-9DED-BD4D1E2770EF}" type="datetimeFigureOut">
               <a:rPr lang="ru-RU" smtClean="0"/>
-              <a:t>07.03.2017</a:t>
+              <a:t>09.03.2017</a:t>
             </a:fld>
             <a:endParaRPr lang="ru-RU"/>
           </a:p>
@@ -434,7 +787,7 @@
           <a:p>
             <a:fld id="{165D581F-4EEB-4706-9DED-BD4D1E2770EF}" type="datetimeFigureOut">
               <a:rPr lang="ru-RU" smtClean="0"/>
-              <a:t>07.03.2017</a:t>
+              <a:t>09.03.2017</a:t>
             </a:fld>
             <a:endParaRPr lang="ru-RU"/>
           </a:p>
@@ -614,7 +967,7 @@
           <a:p>
             <a:fld id="{165D581F-4EEB-4706-9DED-BD4D1E2770EF}" type="datetimeFigureOut">
               <a:rPr lang="ru-RU" smtClean="0"/>
-              <a:t>07.03.2017</a:t>
+              <a:t>09.03.2017</a:t>
             </a:fld>
             <a:endParaRPr lang="ru-RU"/>
           </a:p>
@@ -784,7 +1137,7 @@
           <a:p>
             <a:fld id="{165D581F-4EEB-4706-9DED-BD4D1E2770EF}" type="datetimeFigureOut">
               <a:rPr lang="ru-RU" smtClean="0"/>
-              <a:t>07.03.2017</a:t>
+              <a:t>09.03.2017</a:t>
             </a:fld>
             <a:endParaRPr lang="ru-RU"/>
           </a:p>
@@ -1030,7 +1383,7 @@
           <a:p>
             <a:fld id="{165D581F-4EEB-4706-9DED-BD4D1E2770EF}" type="datetimeFigureOut">
               <a:rPr lang="ru-RU" smtClean="0"/>
-              <a:t>07.03.2017</a:t>
+              <a:t>09.03.2017</a:t>
             </a:fld>
             <a:endParaRPr lang="ru-RU"/>
           </a:p>
@@ -1262,7 +1615,7 @@
           <a:p>
             <a:fld id="{165D581F-4EEB-4706-9DED-BD4D1E2770EF}" type="datetimeFigureOut">
               <a:rPr lang="ru-RU" smtClean="0"/>
-              <a:t>07.03.2017</a:t>
+              <a:t>09.03.2017</a:t>
             </a:fld>
             <a:endParaRPr lang="ru-RU"/>
           </a:p>
@@ -1629,7 +1982,7 @@
           <a:p>
             <a:fld id="{165D581F-4EEB-4706-9DED-BD4D1E2770EF}" type="datetimeFigureOut">
               <a:rPr lang="ru-RU" smtClean="0"/>
-              <a:t>07.03.2017</a:t>
+              <a:t>09.03.2017</a:t>
             </a:fld>
             <a:endParaRPr lang="ru-RU"/>
           </a:p>
@@ -1747,7 +2100,7 @@
           <a:p>
             <a:fld id="{165D581F-4EEB-4706-9DED-BD4D1E2770EF}" type="datetimeFigureOut">
               <a:rPr lang="ru-RU" smtClean="0"/>
-              <a:t>07.03.2017</a:t>
+              <a:t>09.03.2017</a:t>
             </a:fld>
             <a:endParaRPr lang="ru-RU"/>
           </a:p>
@@ -1842,7 +2195,7 @@
           <a:p>
             <a:fld id="{165D581F-4EEB-4706-9DED-BD4D1E2770EF}" type="datetimeFigureOut">
               <a:rPr lang="ru-RU" smtClean="0"/>
-              <a:t>07.03.2017</a:t>
+              <a:t>09.03.2017</a:t>
             </a:fld>
             <a:endParaRPr lang="ru-RU"/>
           </a:p>
@@ -2119,7 +2472,7 @@
           <a:p>
             <a:fld id="{165D581F-4EEB-4706-9DED-BD4D1E2770EF}" type="datetimeFigureOut">
               <a:rPr lang="ru-RU" smtClean="0"/>
-              <a:t>07.03.2017</a:t>
+              <a:t>09.03.2017</a:t>
             </a:fld>
             <a:endParaRPr lang="ru-RU"/>
           </a:p>
@@ -2372,7 +2725,7 @@
           <a:p>
             <a:fld id="{165D581F-4EEB-4706-9DED-BD4D1E2770EF}" type="datetimeFigureOut">
               <a:rPr lang="ru-RU" smtClean="0"/>
-              <a:t>07.03.2017</a:t>
+              <a:t>09.03.2017</a:t>
             </a:fld>
             <a:endParaRPr lang="ru-RU"/>
           </a:p>
@@ -2585,7 +2938,7 @@
           <a:p>
             <a:fld id="{165D581F-4EEB-4706-9DED-BD4D1E2770EF}" type="datetimeFigureOut">
               <a:rPr lang="ru-RU" smtClean="0"/>
-              <a:t>07.03.2017</a:t>
+              <a:t>09.03.2017</a:t>
             </a:fld>
             <a:endParaRPr lang="ru-RU"/>
           </a:p>
@@ -3548,8 +3901,8 @@
         </p:blipFill>
         <p:spPr>
           <a:xfrm>
-            <a:off x="3364992" y="658368"/>
-            <a:ext cx="5462016" cy="5541264"/>
+            <a:off x="2791650" y="382281"/>
+            <a:ext cx="5970470" cy="6057095"/>
           </a:xfrm>
           <a:prstGeom prst="rect">
             <a:avLst/>
@@ -3577,8 +3930,8 @@
           </a:stretch>
         </p:blipFill>
         <p:spPr>
-          <a:xfrm>
-            <a:off x="2823099" y="3497294"/>
+          <a:xfrm rot="5400000">
+            <a:off x="4844412" y="46010"/>
             <a:ext cx="1083786" cy="638230"/>
           </a:xfrm>
           <a:prstGeom prst="rect">
@@ -3588,7 +3941,7 @@
       </p:pic>
       <p:pic>
         <p:nvPicPr>
-          <p:cNvPr id="6" name="Рисунок 5"/>
+          <p:cNvPr id="5" name="Рисунок 4"/>
           <p:cNvPicPr>
             <a:picLocks noChangeAspect="1"/>
           </p:cNvPicPr>
@@ -3608,8 +3961,38 @@
         </p:blipFill>
         <p:spPr>
           <a:xfrm>
-            <a:off x="8304099" y="2802536"/>
-            <a:ext cx="1258746" cy="826967"/>
+            <a:off x="8086455" y="2671118"/>
+            <a:ext cx="1351329" cy="887790"/>
+          </a:xfrm>
+          <a:prstGeom prst="rect">
+            <a:avLst/>
+          </a:prstGeom>
+        </p:spPr>
+      </p:pic>
+      <p:pic>
+        <p:nvPicPr>
+          <p:cNvPr id="8" name="Рисунок 7"/>
+          <p:cNvPicPr>
+            <a:picLocks noChangeAspect="1"/>
+          </p:cNvPicPr>
+          <p:nvPr/>
+        </p:nvPicPr>
+        <p:blipFill>
+          <a:blip r:embed="rId6" cstate="print">
+            <a:extLst>
+              <a:ext uri="{28A0092B-C50C-407E-A947-70E740481C1C}">
+                <a14:useLocalDpi xmlns:a14="http://schemas.microsoft.com/office/drawing/2010/main" val="0"/>
+              </a:ext>
+            </a:extLst>
+          </a:blip>
+          <a:stretch>
+            <a:fillRect/>
+          </a:stretch>
+        </p:blipFill>
+        <p:spPr>
+          <a:xfrm>
+            <a:off x="7318674" y="4666271"/>
+            <a:ext cx="767781" cy="788481"/>
           </a:xfrm>
           <a:prstGeom prst="rect">
             <a:avLst/>
@@ -3619,7 +4002,7 @@
     </p:spTree>
     <p:extLst>
       <p:ext uri="{BB962C8B-B14F-4D97-AF65-F5344CB8AC3E}">
-        <p14:creationId xmlns:p14="http://schemas.microsoft.com/office/powerpoint/2010/main" val="2429258028"/>
+        <p14:creationId xmlns:p14="http://schemas.microsoft.com/office/powerpoint/2010/main" val="377109702"/>
       </p:ext>
     </p:extLst>
   </p:cSld>
@@ -3629,7 +4012,70 @@
   <p:timing>
     <p:tnLst>
       <p:par>
-        <p:cTn id="1" dur="indefinite" restart="never" nodeType="tmRoot"/>
+        <p:cTn id="1" dur="indefinite" restart="never" nodeType="tmRoot">
+          <p:childTnLst>
+            <p:seq concurrent="1" nextAc="seek">
+              <p:cTn id="2" dur="indefinite" nodeType="mainSeq">
+                <p:childTnLst>
+                  <p:par>
+                    <p:cTn id="3" fill="hold">
+                      <p:stCondLst>
+                        <p:cond delay="indefinite"/>
+                      </p:stCondLst>
+                      <p:childTnLst>
+                        <p:par>
+                          <p:cTn id="4" fill="hold">
+                            <p:stCondLst>
+                              <p:cond delay="0"/>
+                            </p:stCondLst>
+                            <p:childTnLst>
+                              <p:par>
+                                <p:cTn id="5" presetID="42" presetClass="path" presetSubtype="0" accel="50000" decel="50000" fill="hold" nodeType="clickEffect">
+                                  <p:stCondLst>
+                                    <p:cond delay="0"/>
+                                  </p:stCondLst>
+                                  <p:childTnLst>
+                                    <p:animMotion origin="layout" path="M 2.08333E-7 0.00277 L -0.76862 0.00139 " pathEditMode="relative" rAng="0" ptsTypes="AA">
+                                      <p:cBhvr>
+                                        <p:cTn id="6" dur="8000" fill="hold"/>
+                                        <p:tgtEl>
+                                          <p:spTgt spid="5"/>
+                                        </p:tgtEl>
+                                        <p:attrNameLst>
+                                          <p:attrName>ppt_x</p:attrName>
+                                          <p:attrName>ppt_y</p:attrName>
+                                        </p:attrNameLst>
+                                      </p:cBhvr>
+                                      <p:rCtr x="-38438" y="-69"/>
+                                    </p:animMotion>
+                                  </p:childTnLst>
+                                </p:cTn>
+                              </p:par>
+                            </p:childTnLst>
+                          </p:cTn>
+                        </p:par>
+                      </p:childTnLst>
+                    </p:cTn>
+                  </p:par>
+                </p:childTnLst>
+              </p:cTn>
+              <p:prevCondLst>
+                <p:cond evt="onPrev" delay="0">
+                  <p:tgtEl>
+                    <p:sldTgt/>
+                  </p:tgtEl>
+                </p:cond>
+              </p:prevCondLst>
+              <p:nextCondLst>
+                <p:cond evt="onNext" delay="0">
+                  <p:tgtEl>
+                    <p:sldTgt/>
+                  </p:tgtEl>
+                </p:cond>
+              </p:nextCondLst>
+            </p:seq>
+          </p:childTnLst>
+        </p:cTn>
       </p:par>
     </p:tnLst>
   </p:timing>
@@ -4279,4 +4725,265 @@
     </a:ext>
   </a:extLst>
 </a:theme>
+</file>
+
+<file path=ppt/theme/theme2.xml><?xml version="1.0" encoding="utf-8"?>
+<a:theme xmlns:a="http://schemas.openxmlformats.org/drawingml/2006/main" name="Тема Office">
+  <a:themeElements>
+    <a:clrScheme name="Стандартная">
+      <a:dk1>
+        <a:sysClr val="windowText" lastClr="000000"/>
+      </a:dk1>
+      <a:lt1>
+        <a:sysClr val="window" lastClr="FFFFFF"/>
+      </a:lt1>
+      <a:dk2>
+        <a:srgbClr val="44546A"/>
+      </a:dk2>
+      <a:lt2>
+        <a:srgbClr val="E7E6E6"/>
+      </a:lt2>
+      <a:accent1>
+        <a:srgbClr val="5B9BD5"/>
+      </a:accent1>
+      <a:accent2>
+        <a:srgbClr val="ED7D31"/>
+      </a:accent2>
+      <a:accent3>
+        <a:srgbClr val="A5A5A5"/>
+      </a:accent3>
+      <a:accent4>
+        <a:srgbClr val="FFC000"/>
+      </a:accent4>
+      <a:accent5>
+        <a:srgbClr val="4472C4"/>
+      </a:accent5>
+      <a:accent6>
+        <a:srgbClr val="70AD47"/>
+      </a:accent6>
+      <a:hlink>
+        <a:srgbClr val="0563C1"/>
+      </a:hlink>
+      <a:folHlink>
+        <a:srgbClr val="954F72"/>
+      </a:folHlink>
+    </a:clrScheme>
+    <a:fontScheme name="Стандартная">
+      <a:majorFont>
+        <a:latin typeface="Calibri Light" panose="020F0302020204030204"/>
+        <a:ea typeface=""/>
+        <a:cs typeface=""/>
+        <a:font script="Jpan" typeface="ＭＳ Ｐゴシック"/>
+        <a:font script="Hang" typeface="맑은 고딕"/>
+        <a:font script="Hans" typeface="宋体"/>
+        <a:font script="Hant" typeface="新細明體"/>
+        <a:font script="Arab" typeface="Times New Roman"/>
+        <a:font script="Hebr" typeface="Times New Roman"/>
+        <a:font script="Thai" typeface="Angsana New"/>
+        <a:font script="Ethi" typeface="Nyala"/>
+        <a:font script="Beng" typeface="Vrinda"/>
+        <a:font script="Gujr" typeface="Shruti"/>
+        <a:font script="Khmr" typeface="MoolBoran"/>
+        <a:font script="Knda" typeface="Tunga"/>
+        <a:font script="Guru" typeface="Raavi"/>
+        <a:font script="Cans" typeface="Euphemia"/>
+        <a:font script="Cher" typeface="Plantagenet Cherokee"/>
+        <a:font script="Yiii" typeface="Microsoft Yi Baiti"/>
+        <a:font script="Tibt" typeface="Microsoft Himalaya"/>
+        <a:font script="Thaa" typeface="MV Boli"/>
+        <a:font script="Deva" typeface="Mangal"/>
+        <a:font script="Telu" typeface="Gautami"/>
+        <a:font script="Taml" typeface="Latha"/>
+        <a:font script="Syrc" typeface="Estrangelo Edessa"/>
+        <a:font script="Orya" typeface="Kalinga"/>
+        <a:font script="Mlym" typeface="Kartika"/>
+        <a:font script="Laoo" typeface="DokChampa"/>
+        <a:font script="Sinh" typeface="Iskoola Pota"/>
+        <a:font script="Mong" typeface="Mongolian Baiti"/>
+        <a:font script="Viet" typeface="Times New Roman"/>
+        <a:font script="Uigh" typeface="Microsoft Uighur"/>
+        <a:font script="Geor" typeface="Sylfaen"/>
+      </a:majorFont>
+      <a:minorFont>
+        <a:latin typeface="Calibri" panose="020F0502020204030204"/>
+        <a:ea typeface=""/>
+        <a:cs typeface=""/>
+        <a:font script="Jpan" typeface="ＭＳ Ｐゴシック"/>
+        <a:font script="Hang" typeface="맑은 고딕"/>
+        <a:font script="Hans" typeface="宋体"/>
+        <a:font script="Hant" typeface="新細明體"/>
+        <a:font script="Arab" typeface="Arial"/>
+        <a:font script="Hebr" typeface="Arial"/>
+        <a:font script="Thai" typeface="Cordia New"/>
+        <a:font script="Ethi" typeface="Nyala"/>
+        <a:font script="Beng" typeface="Vrinda"/>
+        <a:font script="Gujr" typeface="Shruti"/>
+        <a:font script="Khmr" typeface="DaunPenh"/>
+        <a:font script="Knda" typeface="Tunga"/>
+        <a:font script="Guru" typeface="Raavi"/>
+        <a:font script="Cans" typeface="Euphemia"/>
+        <a:font script="Cher" typeface="Plantagenet Cherokee"/>
+        <a:font script="Yiii" typeface="Microsoft Yi Baiti"/>
+        <a:font script="Tibt" typeface="Microsoft Himalaya"/>
+        <a:font script="Thaa" typeface="MV Boli"/>
+        <a:font script="Deva" typeface="Mangal"/>
+        <a:font script="Telu" typeface="Gautami"/>
+        <a:font script="Taml" typeface="Latha"/>
+        <a:font script="Syrc" typeface="Estrangelo Edessa"/>
+        <a:font script="Orya" typeface="Kalinga"/>
+        <a:font script="Mlym" typeface="Kartika"/>
+        <a:font script="Laoo" typeface="DokChampa"/>
+        <a:font script="Sinh" typeface="Iskoola Pota"/>
+        <a:font script="Mong" typeface="Mongolian Baiti"/>
+        <a:font script="Viet" typeface="Arial"/>
+        <a:font script="Uigh" typeface="Microsoft Uighur"/>
+        <a:font script="Geor" typeface="Sylfaen"/>
+      </a:minorFont>
+    </a:fontScheme>
+    <a:fmtScheme name="Стандартная">
+      <a:fillStyleLst>
+        <a:solidFill>
+          <a:schemeClr val="phClr"/>
+        </a:solidFill>
+        <a:gradFill rotWithShape="1">
+          <a:gsLst>
+            <a:gs pos="0">
+              <a:schemeClr val="phClr">
+                <a:lumMod val="110000"/>
+                <a:satMod val="105000"/>
+                <a:tint val="67000"/>
+              </a:schemeClr>
+            </a:gs>
+            <a:gs pos="50000">
+              <a:schemeClr val="phClr">
+                <a:lumMod val="105000"/>
+                <a:satMod val="103000"/>
+                <a:tint val="73000"/>
+              </a:schemeClr>
+            </a:gs>
+            <a:gs pos="100000">
+              <a:schemeClr val="phClr">
+                <a:lumMod val="105000"/>
+                <a:satMod val="109000"/>
+                <a:tint val="81000"/>
+              </a:schemeClr>
+            </a:gs>
+          </a:gsLst>
+          <a:lin ang="5400000" scaled="0"/>
+        </a:gradFill>
+        <a:gradFill rotWithShape="1">
+          <a:gsLst>
+            <a:gs pos="0">
+              <a:schemeClr val="phClr">
+                <a:satMod val="103000"/>
+                <a:lumMod val="102000"/>
+                <a:tint val="94000"/>
+              </a:schemeClr>
+            </a:gs>
+            <a:gs pos="50000">
+              <a:schemeClr val="phClr">
+                <a:satMod val="110000"/>
+                <a:lumMod val="100000"/>
+                <a:shade val="100000"/>
+              </a:schemeClr>
+            </a:gs>
+            <a:gs pos="100000">
+              <a:schemeClr val="phClr">
+                <a:lumMod val="99000"/>
+                <a:satMod val="120000"/>
+                <a:shade val="78000"/>
+              </a:schemeClr>
+            </a:gs>
+          </a:gsLst>
+          <a:lin ang="5400000" scaled="0"/>
+        </a:gradFill>
+      </a:fillStyleLst>
+      <a:lnStyleLst>
+        <a:ln w="6350" cap="flat" cmpd="sng" algn="ctr">
+          <a:solidFill>
+            <a:schemeClr val="phClr"/>
+          </a:solidFill>
+          <a:prstDash val="solid"/>
+          <a:miter lim="800000"/>
+        </a:ln>
+        <a:ln w="12700" cap="flat" cmpd="sng" algn="ctr">
+          <a:solidFill>
+            <a:schemeClr val="phClr"/>
+          </a:solidFill>
+          <a:prstDash val="solid"/>
+          <a:miter lim="800000"/>
+        </a:ln>
+        <a:ln w="19050" cap="flat" cmpd="sng" algn="ctr">
+          <a:solidFill>
+            <a:schemeClr val="phClr"/>
+          </a:solidFill>
+          <a:prstDash val="solid"/>
+          <a:miter lim="800000"/>
+        </a:ln>
+      </a:lnStyleLst>
+      <a:effectStyleLst>
+        <a:effectStyle>
+          <a:effectLst/>
+        </a:effectStyle>
+        <a:effectStyle>
+          <a:effectLst/>
+        </a:effectStyle>
+        <a:effectStyle>
+          <a:effectLst>
+            <a:outerShdw blurRad="57150" dist="19050" dir="5400000" algn="ctr" rotWithShape="0">
+              <a:srgbClr val="000000">
+                <a:alpha val="63000"/>
+              </a:srgbClr>
+            </a:outerShdw>
+          </a:effectLst>
+        </a:effectStyle>
+      </a:effectStyleLst>
+      <a:bgFillStyleLst>
+        <a:solidFill>
+          <a:schemeClr val="phClr"/>
+        </a:solidFill>
+        <a:solidFill>
+          <a:schemeClr val="phClr">
+            <a:tint val="95000"/>
+            <a:satMod val="170000"/>
+          </a:schemeClr>
+        </a:solidFill>
+        <a:gradFill rotWithShape="1">
+          <a:gsLst>
+            <a:gs pos="0">
+              <a:schemeClr val="phClr">
+                <a:tint val="93000"/>
+                <a:satMod val="150000"/>
+                <a:shade val="98000"/>
+                <a:lumMod val="102000"/>
+              </a:schemeClr>
+            </a:gs>
+            <a:gs pos="50000">
+              <a:schemeClr val="phClr">
+                <a:tint val="98000"/>
+                <a:satMod val="130000"/>
+                <a:shade val="90000"/>
+                <a:lumMod val="103000"/>
+              </a:schemeClr>
+            </a:gs>
+            <a:gs pos="100000">
+              <a:schemeClr val="phClr">
+                <a:shade val="63000"/>
+                <a:satMod val="120000"/>
+              </a:schemeClr>
+            </a:gs>
+          </a:gsLst>
+          <a:lin ang="5400000" scaled="0"/>
+        </a:gradFill>
+      </a:bgFillStyleLst>
+    </a:fmtScheme>
+  </a:themeElements>
+  <a:objectDefaults/>
+  <a:extraClrSchemeLst/>
+  <a:extLst>
+    <a:ext uri="{05A4C25C-085E-4340-85A3-A5531E510DB2}">
+      <thm15:themeFamily xmlns:thm15="http://schemas.microsoft.com/office/thememl/2012/main" name="Office Theme" id="{62F939B6-93AF-4DB8-9C6B-D6C7DFDC589F}" vid="{4A3C46E8-61CC-4603-A589-7422A47A8E4A}"/>
+    </a:ext>
+  </a:extLst>
+</a:theme>
 </file>